--- a/Presentation.pptx
+++ b/Presentation.pptx
@@ -119,6 +119,11 @@
       </a:defRPr>
     </a:lvl9pPr>
   </p:defaultTextStyle>
+  <p:extLst>
+    <p:ext uri="{EFAFB233-063F-42B5-8137-9DF3F51BA10A}">
+      <p15:sldGuideLst xmlns:p15="http://schemas.microsoft.com/office/powerpoint/2012/main"/>
+    </p:ext>
+  </p:extLst>
 </p:presentation>
 </file>
 
@@ -271,7 +276,7 @@
           <a:p>
             <a:fld id="{A59C087D-2923-7442-84A1-1FFE54B2F712}" type="datetimeFigureOut">
               <a:rPr lang="en-AT" smtClean="0"/>
-              <a:t>16.01.23</a:t>
+              <a:t>01/16/2023</a:t>
             </a:fld>
             <a:endParaRPr lang="en-AT"/>
           </a:p>
@@ -325,7 +330,7 @@
           <a:p>
             <a:fld id="{4698CE24-8B80-6D41-A825-069FE4267E35}" type="slidenum">
               <a:rPr lang="en-AT" smtClean="0"/>
-              <a:t>‹#›</a:t>
+              <a:t>‹Nr.›</a:t>
             </a:fld>
             <a:endParaRPr lang="en-AT"/>
           </a:p>
@@ -471,7 +476,7 @@
           <a:p>
             <a:fld id="{A59C087D-2923-7442-84A1-1FFE54B2F712}" type="datetimeFigureOut">
               <a:rPr lang="en-AT" smtClean="0"/>
-              <a:t>16.01.23</a:t>
+              <a:t>01/16/2023</a:t>
             </a:fld>
             <a:endParaRPr lang="en-AT"/>
           </a:p>
@@ -525,7 +530,7 @@
           <a:p>
             <a:fld id="{4698CE24-8B80-6D41-A825-069FE4267E35}" type="slidenum">
               <a:rPr lang="en-AT" smtClean="0"/>
-              <a:t>‹#›</a:t>
+              <a:t>‹Nr.›</a:t>
             </a:fld>
             <a:endParaRPr lang="en-AT"/>
           </a:p>
@@ -681,7 +686,7 @@
           <a:p>
             <a:fld id="{A59C087D-2923-7442-84A1-1FFE54B2F712}" type="datetimeFigureOut">
               <a:rPr lang="en-AT" smtClean="0"/>
-              <a:t>16.01.23</a:t>
+              <a:t>01/16/2023</a:t>
             </a:fld>
             <a:endParaRPr lang="en-AT"/>
           </a:p>
@@ -735,7 +740,7 @@
           <a:p>
             <a:fld id="{4698CE24-8B80-6D41-A825-069FE4267E35}" type="slidenum">
               <a:rPr lang="en-AT" smtClean="0"/>
-              <a:t>‹#›</a:t>
+              <a:t>‹Nr.›</a:t>
             </a:fld>
             <a:endParaRPr lang="en-AT"/>
           </a:p>
@@ -881,7 +886,7 @@
           <a:p>
             <a:fld id="{A59C087D-2923-7442-84A1-1FFE54B2F712}" type="datetimeFigureOut">
               <a:rPr lang="en-AT" smtClean="0"/>
-              <a:t>16.01.23</a:t>
+              <a:t>01/16/2023</a:t>
             </a:fld>
             <a:endParaRPr lang="en-AT"/>
           </a:p>
@@ -935,7 +940,7 @@
           <a:p>
             <a:fld id="{4698CE24-8B80-6D41-A825-069FE4267E35}" type="slidenum">
               <a:rPr lang="en-AT" smtClean="0"/>
-              <a:t>‹#›</a:t>
+              <a:t>‹Nr.›</a:t>
             </a:fld>
             <a:endParaRPr lang="en-AT"/>
           </a:p>
@@ -1157,7 +1162,7 @@
           <a:p>
             <a:fld id="{A59C087D-2923-7442-84A1-1FFE54B2F712}" type="datetimeFigureOut">
               <a:rPr lang="en-AT" smtClean="0"/>
-              <a:t>16.01.23</a:t>
+              <a:t>01/16/2023</a:t>
             </a:fld>
             <a:endParaRPr lang="en-AT"/>
           </a:p>
@@ -1211,7 +1216,7 @@
           <a:p>
             <a:fld id="{4698CE24-8B80-6D41-A825-069FE4267E35}" type="slidenum">
               <a:rPr lang="en-AT" smtClean="0"/>
-              <a:t>‹#›</a:t>
+              <a:t>‹Nr.›</a:t>
             </a:fld>
             <a:endParaRPr lang="en-AT"/>
           </a:p>
@@ -1425,7 +1430,7 @@
           <a:p>
             <a:fld id="{A59C087D-2923-7442-84A1-1FFE54B2F712}" type="datetimeFigureOut">
               <a:rPr lang="en-AT" smtClean="0"/>
-              <a:t>16.01.23</a:t>
+              <a:t>01/16/2023</a:t>
             </a:fld>
             <a:endParaRPr lang="en-AT"/>
           </a:p>
@@ -1479,7 +1484,7 @@
           <a:p>
             <a:fld id="{4698CE24-8B80-6D41-A825-069FE4267E35}" type="slidenum">
               <a:rPr lang="en-AT" smtClean="0"/>
-              <a:t>‹#›</a:t>
+              <a:t>‹Nr.›</a:t>
             </a:fld>
             <a:endParaRPr lang="en-AT"/>
           </a:p>
@@ -1840,7 +1845,7 @@
           <a:p>
             <a:fld id="{A59C087D-2923-7442-84A1-1FFE54B2F712}" type="datetimeFigureOut">
               <a:rPr lang="en-AT" smtClean="0"/>
-              <a:t>16.01.23</a:t>
+              <a:t>01/16/2023</a:t>
             </a:fld>
             <a:endParaRPr lang="en-AT"/>
           </a:p>
@@ -1894,7 +1899,7 @@
           <a:p>
             <a:fld id="{4698CE24-8B80-6D41-A825-069FE4267E35}" type="slidenum">
               <a:rPr lang="en-AT" smtClean="0"/>
-              <a:t>‹#›</a:t>
+              <a:t>‹Nr.›</a:t>
             </a:fld>
             <a:endParaRPr lang="en-AT"/>
           </a:p>
@@ -1982,7 +1987,7 @@
           <a:p>
             <a:fld id="{A59C087D-2923-7442-84A1-1FFE54B2F712}" type="datetimeFigureOut">
               <a:rPr lang="en-AT" smtClean="0"/>
-              <a:t>16.01.23</a:t>
+              <a:t>01/16/2023</a:t>
             </a:fld>
             <a:endParaRPr lang="en-AT"/>
           </a:p>
@@ -2036,7 +2041,7 @@
           <a:p>
             <a:fld id="{4698CE24-8B80-6D41-A825-069FE4267E35}" type="slidenum">
               <a:rPr lang="en-AT" smtClean="0"/>
-              <a:t>‹#›</a:t>
+              <a:t>‹Nr.›</a:t>
             </a:fld>
             <a:endParaRPr lang="en-AT"/>
           </a:p>
@@ -2095,7 +2100,7 @@
           <a:p>
             <a:fld id="{A59C087D-2923-7442-84A1-1FFE54B2F712}" type="datetimeFigureOut">
               <a:rPr lang="en-AT" smtClean="0"/>
-              <a:t>16.01.23</a:t>
+              <a:t>01/16/2023</a:t>
             </a:fld>
             <a:endParaRPr lang="en-AT"/>
           </a:p>
@@ -2149,7 +2154,7 @@
           <a:p>
             <a:fld id="{4698CE24-8B80-6D41-A825-069FE4267E35}" type="slidenum">
               <a:rPr lang="en-AT" smtClean="0"/>
-              <a:t>‹#›</a:t>
+              <a:t>‹Nr.›</a:t>
             </a:fld>
             <a:endParaRPr lang="en-AT"/>
           </a:p>
@@ -2408,7 +2413,7 @@
           <a:p>
             <a:fld id="{A59C087D-2923-7442-84A1-1FFE54B2F712}" type="datetimeFigureOut">
               <a:rPr lang="en-AT" smtClean="0"/>
-              <a:t>16.01.23</a:t>
+              <a:t>01/16/2023</a:t>
             </a:fld>
             <a:endParaRPr lang="en-AT"/>
           </a:p>
@@ -2462,7 +2467,7 @@
           <a:p>
             <a:fld id="{4698CE24-8B80-6D41-A825-069FE4267E35}" type="slidenum">
               <a:rPr lang="en-AT" smtClean="0"/>
-              <a:t>‹#›</a:t>
+              <a:t>‹Nr.›</a:t>
             </a:fld>
             <a:endParaRPr lang="en-AT"/>
           </a:p>
@@ -2697,7 +2702,7 @@
           <a:p>
             <a:fld id="{A59C087D-2923-7442-84A1-1FFE54B2F712}" type="datetimeFigureOut">
               <a:rPr lang="en-AT" smtClean="0"/>
-              <a:t>16.01.23</a:t>
+              <a:t>01/16/2023</a:t>
             </a:fld>
             <a:endParaRPr lang="en-AT"/>
           </a:p>
@@ -2751,7 +2756,7 @@
           <a:p>
             <a:fld id="{4698CE24-8B80-6D41-A825-069FE4267E35}" type="slidenum">
               <a:rPr lang="en-AT" smtClean="0"/>
-              <a:t>‹#›</a:t>
+              <a:t>‹Nr.›</a:t>
             </a:fld>
             <a:endParaRPr lang="en-AT"/>
           </a:p>
@@ -2940,7 +2945,7 @@
           <a:p>
             <a:fld id="{A59C087D-2923-7442-84A1-1FFE54B2F712}" type="datetimeFigureOut">
               <a:rPr lang="en-AT" smtClean="0"/>
-              <a:t>16.01.23</a:t>
+              <a:t>01/16/2023</a:t>
             </a:fld>
             <a:endParaRPr lang="en-AT"/>
           </a:p>
@@ -3030,7 +3035,7 @@
           <a:p>
             <a:fld id="{4698CE24-8B80-6D41-A825-069FE4267E35}" type="slidenum">
               <a:rPr lang="en-AT" smtClean="0"/>
-              <a:t>‹#›</a:t>
+              <a:t>‹Nr.›</a:t>
             </a:fld>
             <a:endParaRPr lang="en-AT"/>
           </a:p>
@@ -3421,9 +3426,10 @@
           </a:p>
           <a:p>
             <a:r>
-              <a:rPr lang="en-AT" dirty="0"/>
-              <a:t>…….</a:t>
-            </a:r>
+              <a:rPr lang="de-AT"/>
+              <a:t>Richard Degenfellner</a:t>
+            </a:r>
+            <a:endParaRPr lang="en-AT" dirty="0"/>
           </a:p>
           <a:p>
             <a:r>
